--- a/기획서/221013_용어정리.pptx
+++ b/기획서/221013_용어정리.pptx
@@ -104,6 +104,11 @@
       </a:defRPr>
     </a:lvl9pPr>
   </p:defaultTextStyle>
+  <p:extLst>
+    <p:ext uri="{EFAFB233-063F-42B5-8137-9DF3F51BA10A}">
+      <p15:sldGuideLst xmlns:p15="http://schemas.microsoft.com/office/powerpoint/2012/main"/>
+    </p:ext>
+  </p:extLst>
 </p:presentation>
 </file>
 
@@ -3820,12 +3825,77 @@
               <a:t>웃는 </a:t>
             </a:r>
             <a:r>
-              <a:rPr lang="ko-KR" altLang="en-US" sz="1400" dirty="0" err="1" smtClean="0"/>
-              <a:t>하나쨩</a:t>
-            </a:r>
-            <a:r>
               <a:rPr lang="ko-KR" altLang="en-US" sz="1400" dirty="0" smtClean="0"/>
-              <a:t> 얼굴과 메뉴가 있는 화면</a:t>
+              <a:t>하나 </a:t>
+            </a:r>
+            <a:r>
+              <a:rPr lang="ko-KR" altLang="en-US" sz="1400" dirty="0" smtClean="0"/>
+              <a:t>얼굴과 메뉴가 있는 화면</a:t>
+            </a:r>
+            <a:endParaRPr lang="ko-KR" altLang="en-US" sz="1400" dirty="0"/>
+          </a:p>
+        </p:txBody>
+      </p:sp>
+      <p:sp>
+        <p:nvSpPr>
+          <p:cNvPr id="2" name="TextBox 1"/>
+          <p:cNvSpPr txBox="1"/>
+          <p:nvPr/>
+        </p:nvSpPr>
+        <p:spPr>
+          <a:xfrm>
+            <a:off x="624349" y="5486401"/>
+            <a:ext cx="3667432" cy="523220"/>
+          </a:xfrm>
+          <a:prstGeom prst="rect">
+            <a:avLst/>
+          </a:prstGeom>
+          <a:noFill/>
+        </p:spPr>
+        <p:txBody>
+          <a:bodyPr wrap="square" rtlCol="0">
+            <a:spAutoFit/>
+          </a:bodyPr>
+          <a:lstStyle/>
+          <a:p>
+            <a:r>
+              <a:rPr lang="ko-KR" altLang="en-US" sz="1400" b="1" dirty="0" smtClean="0"/>
+              <a:t>캐릭터 </a:t>
+            </a:r>
+            <a:r>
+              <a:rPr lang="en-US" altLang="ko-KR" sz="1400" b="1" dirty="0" smtClean="0"/>
+              <a:t>or </a:t>
+            </a:r>
+            <a:r>
+              <a:rPr lang="ko-KR" altLang="en-US" sz="1400" b="1" dirty="0" smtClean="0"/>
+              <a:t>하나 </a:t>
+            </a:r>
+            <a:r>
+              <a:rPr lang="en-US" altLang="ko-KR" sz="1400" dirty="0" smtClean="0"/>
+              <a:t>: </a:t>
+            </a:r>
+            <a:r>
+              <a:rPr lang="ko-KR" altLang="en-US" sz="1400" dirty="0" smtClean="0"/>
+              <a:t>공략 캐릭터</a:t>
+            </a:r>
+            <a:endParaRPr lang="en-US" altLang="ko-KR" sz="1400" dirty="0" smtClean="0"/>
+          </a:p>
+          <a:p>
+            <a:r>
+              <a:rPr lang="ko-KR" altLang="en-US" sz="1400" b="1" dirty="0" smtClean="0"/>
+              <a:t>플레이어</a:t>
+            </a:r>
+            <a:r>
+              <a:rPr lang="en-US" altLang="ko-KR" sz="1400" dirty="0" smtClean="0"/>
+              <a:t>: </a:t>
+            </a:r>
+            <a:r>
+              <a:rPr lang="ko-KR" altLang="en-US" sz="1400" dirty="0" smtClean="0"/>
+              <a:t>게임 유저</a:t>
+            </a:r>
+            <a:r>
+              <a:rPr lang="en-US" altLang="ko-KR" sz="1400" dirty="0" smtClean="0"/>
+              <a:t> </a:t>
             </a:r>
             <a:endParaRPr lang="ko-KR" altLang="en-US" sz="1400" dirty="0"/>
           </a:p>
